--- a/IwelumoAA1.pptx
+++ b/IwelumoAA1.pptx
@@ -282,7 +282,7 @@
           <a:p>
             <a:fld id="{A0DB080A-02CE-4D92-8702-6DEB59D1BFE5}" type="datetimeFigureOut">
               <a:rPr lang="en-US" smtClean="0"/>
-              <a:t>4/26/2021</a:t>
+              <a:t>4/27/2021</a:t>
             </a:fld>
             <a:endParaRPr lang="en-US"/>
           </a:p>
@@ -480,7 +480,7 @@
           <a:p>
             <a:fld id="{A0DB080A-02CE-4D92-8702-6DEB59D1BFE5}" type="datetimeFigureOut">
               <a:rPr lang="en-US" smtClean="0"/>
-              <a:t>4/26/2021</a:t>
+              <a:t>4/27/2021</a:t>
             </a:fld>
             <a:endParaRPr lang="en-US"/>
           </a:p>
@@ -688,7 +688,7 @@
           <a:p>
             <a:fld id="{A0DB080A-02CE-4D92-8702-6DEB59D1BFE5}" type="datetimeFigureOut">
               <a:rPr lang="en-US" smtClean="0"/>
-              <a:t>4/26/2021</a:t>
+              <a:t>4/27/2021</a:t>
             </a:fld>
             <a:endParaRPr lang="en-US"/>
           </a:p>
@@ -886,7 +886,7 @@
           <a:p>
             <a:fld id="{A0DB080A-02CE-4D92-8702-6DEB59D1BFE5}" type="datetimeFigureOut">
               <a:rPr lang="en-US" smtClean="0"/>
-              <a:t>4/26/2021</a:t>
+              <a:t>4/27/2021</a:t>
             </a:fld>
             <a:endParaRPr lang="en-US"/>
           </a:p>
@@ -1161,7 +1161,7 @@
           <a:p>
             <a:fld id="{A0DB080A-02CE-4D92-8702-6DEB59D1BFE5}" type="datetimeFigureOut">
               <a:rPr lang="en-US" smtClean="0"/>
-              <a:t>4/26/2021</a:t>
+              <a:t>4/27/2021</a:t>
             </a:fld>
             <a:endParaRPr lang="en-US"/>
           </a:p>
@@ -1426,7 +1426,7 @@
           <a:p>
             <a:fld id="{A0DB080A-02CE-4D92-8702-6DEB59D1BFE5}" type="datetimeFigureOut">
               <a:rPr lang="en-US" smtClean="0"/>
-              <a:t>4/26/2021</a:t>
+              <a:t>4/27/2021</a:t>
             </a:fld>
             <a:endParaRPr lang="en-US"/>
           </a:p>
@@ -1838,7 +1838,7 @@
           <a:p>
             <a:fld id="{A0DB080A-02CE-4D92-8702-6DEB59D1BFE5}" type="datetimeFigureOut">
               <a:rPr lang="en-US" smtClean="0"/>
-              <a:t>4/26/2021</a:t>
+              <a:t>4/27/2021</a:t>
             </a:fld>
             <a:endParaRPr lang="en-US"/>
           </a:p>
@@ -1979,7 +1979,7 @@
           <a:p>
             <a:fld id="{A0DB080A-02CE-4D92-8702-6DEB59D1BFE5}" type="datetimeFigureOut">
               <a:rPr lang="en-US" smtClean="0"/>
-              <a:t>4/26/2021</a:t>
+              <a:t>4/27/2021</a:t>
             </a:fld>
             <a:endParaRPr lang="en-US"/>
           </a:p>
@@ -2092,7 +2092,7 @@
           <a:p>
             <a:fld id="{A0DB080A-02CE-4D92-8702-6DEB59D1BFE5}" type="datetimeFigureOut">
               <a:rPr lang="en-US" smtClean="0"/>
-              <a:t>4/26/2021</a:t>
+              <a:t>4/27/2021</a:t>
             </a:fld>
             <a:endParaRPr lang="en-US"/>
           </a:p>
@@ -2403,7 +2403,7 @@
           <a:p>
             <a:fld id="{A0DB080A-02CE-4D92-8702-6DEB59D1BFE5}" type="datetimeFigureOut">
               <a:rPr lang="en-US" smtClean="0"/>
-              <a:t>4/26/2021</a:t>
+              <a:t>4/27/2021</a:t>
             </a:fld>
             <a:endParaRPr lang="en-US"/>
           </a:p>
@@ -2691,7 +2691,7 @@
           <a:p>
             <a:fld id="{A0DB080A-02CE-4D92-8702-6DEB59D1BFE5}" type="datetimeFigureOut">
               <a:rPr lang="en-US" smtClean="0"/>
-              <a:t>4/26/2021</a:t>
+              <a:t>4/27/2021</a:t>
             </a:fld>
             <a:endParaRPr lang="en-US"/>
           </a:p>
@@ -2932,7 +2932,7 @@
           <a:p>
             <a:fld id="{A0DB080A-02CE-4D92-8702-6DEB59D1BFE5}" type="datetimeFigureOut">
               <a:rPr lang="en-US" smtClean="0"/>
-              <a:t>4/26/2021</a:t>
+              <a:t>4/27/2021</a:t>
             </a:fld>
             <a:endParaRPr lang="en-US"/>
           </a:p>
@@ -3370,7 +3370,10 @@
           <a:bodyPr/>
           <a:lstStyle/>
           <a:p>
-            <a:endParaRPr lang="en-US"/>
+            <a:r>
+              <a:rPr lang="en-US" dirty="0"/>
+              <a:t>CSC 102 ASSIGNMENT</a:t>
+            </a:r>
           </a:p>
         </p:txBody>
       </p:sp>
@@ -3395,7 +3398,14 @@
           <a:bodyPr/>
           <a:lstStyle/>
           <a:p>
-            <a:endParaRPr lang="en-US"/>
+            <a:r>
+              <a:rPr lang="en-US" dirty="0"/>
+              <a:t>By </a:t>
+            </a:r>
+            <a:r>
+              <a:rPr lang="en-US"/>
+              <a:t>Iwelumo Kaobimdi SST</a:t>
+            </a:r>
           </a:p>
         </p:txBody>
       </p:sp>
